--- a/présentation/présentation.pptx
+++ b/présentation/présentation.pptx
@@ -217,7 +217,7 @@
           <a:p>
             <a:fld id="{47F306FC-17F2-4252-9607-2F1D78D8948E}" type="datetimeFigureOut">
               <a:rPr lang="fr-FR" smtClean="0"/>
-              <a:t>16/05/2017</a:t>
+              <a:t>17/05/2017</a:t>
             </a:fld>
             <a:endParaRPr lang="fr-FR"/>
           </a:p>
@@ -429,7 +429,7 @@
           <a:p>
             <a:fld id="{484F23B9-B8E4-47AE-9651-1D7467353FC5}" type="datetimeFigureOut">
               <a:rPr lang="fr-FR" smtClean="0"/>
-              <a:t>16/05/2017</a:t>
+              <a:t>17/05/2017</a:t>
             </a:fld>
             <a:endParaRPr lang="fr-FR"/>
           </a:p>
@@ -597,7 +597,7 @@
           <a:p>
             <a:fld id="{484F23B9-B8E4-47AE-9651-1D7467353FC5}" type="datetimeFigureOut">
               <a:rPr lang="fr-FR" smtClean="0"/>
-              <a:t>16/05/2017</a:t>
+              <a:t>17/05/2017</a:t>
             </a:fld>
             <a:endParaRPr lang="fr-FR"/>
           </a:p>
@@ -775,7 +775,7 @@
           <a:p>
             <a:fld id="{484F23B9-B8E4-47AE-9651-1D7467353FC5}" type="datetimeFigureOut">
               <a:rPr lang="fr-FR" smtClean="0"/>
-              <a:t>16/05/2017</a:t>
+              <a:t>17/05/2017</a:t>
             </a:fld>
             <a:endParaRPr lang="fr-FR"/>
           </a:p>
@@ -951,7 +951,7 @@
           <a:p>
             <a:fld id="{484F23B9-B8E4-47AE-9651-1D7467353FC5}" type="datetimeFigureOut">
               <a:rPr lang="fr-FR" smtClean="0"/>
-              <a:t>16/05/2017</a:t>
+              <a:t>17/05/2017</a:t>
             </a:fld>
             <a:endParaRPr lang="fr-FR"/>
           </a:p>
@@ -1266,7 +1266,7 @@
           <a:p>
             <a:fld id="{484F23B9-B8E4-47AE-9651-1D7467353FC5}" type="datetimeFigureOut">
               <a:rPr lang="fr-FR" smtClean="0"/>
-              <a:t>16/05/2017</a:t>
+              <a:t>17/05/2017</a:t>
             </a:fld>
             <a:endParaRPr lang="fr-FR"/>
           </a:p>
@@ -1495,7 +1495,7 @@
           <a:p>
             <a:fld id="{484F23B9-B8E4-47AE-9651-1D7467353FC5}" type="datetimeFigureOut">
               <a:rPr lang="fr-FR" smtClean="0"/>
-              <a:t>16/05/2017</a:t>
+              <a:t>17/05/2017</a:t>
             </a:fld>
             <a:endParaRPr lang="fr-FR"/>
           </a:p>
@@ -1859,7 +1859,7 @@
           <a:p>
             <a:fld id="{484F23B9-B8E4-47AE-9651-1D7467353FC5}" type="datetimeFigureOut">
               <a:rPr lang="fr-FR" smtClean="0"/>
-              <a:t>16/05/2017</a:t>
+              <a:t>17/05/2017</a:t>
             </a:fld>
             <a:endParaRPr lang="fr-FR"/>
           </a:p>
@@ -1976,7 +1976,7 @@
           <a:p>
             <a:fld id="{484F23B9-B8E4-47AE-9651-1D7467353FC5}" type="datetimeFigureOut">
               <a:rPr lang="fr-FR" smtClean="0"/>
-              <a:t>16/05/2017</a:t>
+              <a:t>17/05/2017</a:t>
             </a:fld>
             <a:endParaRPr lang="fr-FR"/>
           </a:p>
@@ -2071,7 +2071,7 @@
           <a:p>
             <a:fld id="{484F23B9-B8E4-47AE-9651-1D7467353FC5}" type="datetimeFigureOut">
               <a:rPr lang="fr-FR" smtClean="0"/>
-              <a:t>16/05/2017</a:t>
+              <a:t>17/05/2017</a:t>
             </a:fld>
             <a:endParaRPr lang="fr-FR"/>
           </a:p>
@@ -2346,7 +2346,7 @@
           <a:p>
             <a:fld id="{484F23B9-B8E4-47AE-9651-1D7467353FC5}" type="datetimeFigureOut">
               <a:rPr lang="fr-FR" smtClean="0"/>
-              <a:t>16/05/2017</a:t>
+              <a:t>17/05/2017</a:t>
             </a:fld>
             <a:endParaRPr lang="fr-FR"/>
           </a:p>
@@ -2598,7 +2598,7 @@
           <a:p>
             <a:fld id="{484F23B9-B8E4-47AE-9651-1D7467353FC5}" type="datetimeFigureOut">
               <a:rPr lang="fr-FR" smtClean="0"/>
-              <a:t>16/05/2017</a:t>
+              <a:t>17/05/2017</a:t>
             </a:fld>
             <a:endParaRPr lang="fr-FR"/>
           </a:p>
@@ -2812,7 +2812,7 @@
           <a:p>
             <a:fld id="{484F23B9-B8E4-47AE-9651-1D7467353FC5}" type="datetimeFigureOut">
               <a:rPr lang="fr-FR" smtClean="0"/>
-              <a:t>16/05/2017</a:t>
+              <a:t>17/05/2017</a:t>
             </a:fld>
             <a:endParaRPr lang="fr-FR"/>
           </a:p>
@@ -3941,14 +3941,14 @@
             <a:pPr lvl="1"/>
             <a:r>
               <a:rPr lang="fr-FR" dirty="0"/>
-              <a:t>Graphiques</a:t>
+              <a:t>Affichage des graphiques</a:t>
             </a:r>
           </a:p>
           <a:p>
             <a:pPr lvl="1"/>
             <a:r>
               <a:rPr lang="fr-FR" dirty="0"/>
-              <a:t>Flux vidéo</a:t>
+              <a:t>Affichage du flux vidéo</a:t>
             </a:r>
           </a:p>
           <a:p>
@@ -4374,7 +4374,7 @@
           <a:p>
             <a:r>
               <a:rPr lang="fr-FR" dirty="0"/>
-              <a:t>Graphiques</a:t>
+              <a:t>Affichage des graphiques</a:t>
             </a:r>
           </a:p>
         </p:txBody>
@@ -4468,8 +4468,12 @@
           <a:lstStyle/>
           <a:p>
             <a:r>
-              <a:rPr lang="fr-FR" dirty="0"/>
-              <a:t>Flux vidéo</a:t>
+              <a:rPr lang="fr-FR"/>
+              <a:t>Affichage du flux </a:t>
+            </a:r>
+            <a:r>
+              <a:rPr lang="fr-FR" dirty="0"/>
+              <a:t>vidéo</a:t>
             </a:r>
           </a:p>
         </p:txBody>
